--- a/Slides/Module 16A Engineering Ethical Software.pptx
+++ b/Slides/Module 16A Engineering Ethical Software.pptx
@@ -13226,7 +13226,7 @@
           </a:ln>
           <a:extLst>
             <a:ext uri="{C572A759-6A51-4108-AA02-DFA0A04FC94B}">
-              <ma14:wrappingTextBoxFlag xmlns:ma14="http://schemas.microsoft.com/office/mac/drawingml/2011/main" xmlns:a14="http://schemas.microsoft.com/office/drawing/2010/main" xmlns:m="http://schemas.openxmlformats.org/officeDocument/2006/math" xmlns="" val="1"/>
+              <ma14:wrappingTextBoxFlag xmlns="" xmlns:m="http://schemas.openxmlformats.org/officeDocument/2006/math" xmlns:a14="http://schemas.microsoft.com/office/drawing/2010/main" xmlns:ma14="http://schemas.microsoft.com/office/mac/drawingml/2011/main" val="1"/>
             </a:ext>
           </a:extLst>
         </p:spPr>
@@ -13265,7 +13265,7 @@
           </a:ln>
           <a:extLst>
             <a:ext uri="{C572A759-6A51-4108-AA02-DFA0A04FC94B}">
-              <ma14:wrappingTextBoxFlag xmlns:ma14="http://schemas.microsoft.com/office/mac/drawingml/2011/main" xmlns:a14="http://schemas.microsoft.com/office/drawing/2010/main" xmlns:m="http://schemas.openxmlformats.org/officeDocument/2006/math" xmlns="" val="1"/>
+              <ma14:wrappingTextBoxFlag xmlns="" xmlns:m="http://schemas.openxmlformats.org/officeDocument/2006/math" xmlns:a14="http://schemas.microsoft.com/office/drawing/2010/main" xmlns:ma14="http://schemas.microsoft.com/office/mac/drawingml/2011/main" val="1"/>
             </a:ext>
           </a:extLst>
         </p:spPr>
@@ -14237,7 +14237,7 @@
           </a:prstGeom>
           <a:extLst>
             <a:ext uri="{C572A759-6A51-4108-AA02-DFA0A04FC94B}">
-              <ma14:wrappingTextBoxFlag xmlns:ma14="http://schemas.microsoft.com/office/mac/drawingml/2011/main" xmlns:a14="http://schemas.microsoft.com/office/drawing/2010/main" xmlns:m="http://schemas.openxmlformats.org/officeDocument/2006/math" xmlns="" val="1"/>
+              <ma14:wrappingTextBoxFlag xmlns="" xmlns:m="http://schemas.openxmlformats.org/officeDocument/2006/math" xmlns:a14="http://schemas.microsoft.com/office/drawing/2010/main" xmlns:ma14="http://schemas.microsoft.com/office/mac/drawingml/2011/main" val="1"/>
             </a:ext>
           </a:extLst>
         </p:spPr>
@@ -14272,7 +14272,7 @@
           </a:ln>
           <a:extLst>
             <a:ext uri="{C572A759-6A51-4108-AA02-DFA0A04FC94B}">
-              <ma14:wrappingTextBoxFlag xmlns:ma14="http://schemas.microsoft.com/office/mac/drawingml/2011/main" xmlns:a14="http://schemas.microsoft.com/office/drawing/2010/main" xmlns:m="http://schemas.openxmlformats.org/officeDocument/2006/math" xmlns="" val="1"/>
+              <ma14:wrappingTextBoxFlag xmlns="" xmlns:m="http://schemas.openxmlformats.org/officeDocument/2006/math" xmlns:a14="http://schemas.microsoft.com/office/drawing/2010/main" xmlns:ma14="http://schemas.microsoft.com/office/mac/drawingml/2011/main" val="1"/>
             </a:ext>
           </a:extLst>
         </p:spPr>
@@ -16087,7 +16087,7 @@
           </a:ln>
           <a:extLst>
             <a:ext uri="{C572A759-6A51-4108-AA02-DFA0A04FC94B}">
-              <ma14:wrappingTextBoxFlag xmlns="" xmlns:m="http://schemas.openxmlformats.org/officeDocument/2006/math" xmlns:a14="http://schemas.microsoft.com/office/drawing/2010/main" xmlns:ma14="http://schemas.microsoft.com/office/mac/drawingml/2011/main" val="1"/>
+              <ma14:wrappingTextBoxFlag xmlns:ma14="http://schemas.microsoft.com/office/mac/drawingml/2011/main" xmlns:a14="http://schemas.microsoft.com/office/drawing/2010/main" xmlns:m="http://schemas.openxmlformats.org/officeDocument/2006/math" xmlns="" val="1"/>
             </a:ext>
           </a:extLst>
         </p:spPr>
@@ -16252,7 +16252,7 @@
           </a:prstGeom>
           <a:extLst>
             <a:ext uri="{C572A759-6A51-4108-AA02-DFA0A04FC94B}">
-              <ma14:wrappingTextBoxFlag xmlns:ma14="http://schemas.microsoft.com/office/mac/drawingml/2011/main" xmlns:a14="http://schemas.microsoft.com/office/drawing/2010/main" xmlns:m="http://schemas.openxmlformats.org/officeDocument/2006/math" xmlns="" val="1"/>
+              <ma14:wrappingTextBoxFlag xmlns="" xmlns:m="http://schemas.openxmlformats.org/officeDocument/2006/math" xmlns:a14="http://schemas.microsoft.com/office/drawing/2010/main" xmlns:ma14="http://schemas.microsoft.com/office/mac/drawingml/2011/main" val="1"/>
             </a:ext>
           </a:extLst>
         </p:spPr>
@@ -16616,7 +16616,7 @@
           </a:ln>
           <a:extLst>
             <a:ext uri="{C572A759-6A51-4108-AA02-DFA0A04FC94B}">
-              <ma14:wrappingTextBoxFlag xmlns="" xmlns:m="http://schemas.openxmlformats.org/officeDocument/2006/math" xmlns:a14="http://schemas.microsoft.com/office/drawing/2010/main" xmlns:ma14="http://schemas.microsoft.com/office/mac/drawingml/2011/main" val="1"/>
+              <ma14:wrappingTextBoxFlag xmlns:ma14="http://schemas.microsoft.com/office/mac/drawingml/2011/main" xmlns:a14="http://schemas.microsoft.com/office/drawing/2010/main" xmlns:m="http://schemas.openxmlformats.org/officeDocument/2006/math" xmlns="" val="1"/>
             </a:ext>
           </a:extLst>
         </p:spPr>
@@ -16896,7 +16896,7 @@
           </a:ln>
           <a:extLst>
             <a:ext uri="{C572A759-6A51-4108-AA02-DFA0A04FC94B}">
-              <ma14:wrappingTextBoxFlag xmlns="" xmlns:m="http://schemas.openxmlformats.org/officeDocument/2006/math" xmlns:a14="http://schemas.microsoft.com/office/drawing/2010/main" xmlns:ma14="http://schemas.microsoft.com/office/mac/drawingml/2011/main" val="1"/>
+              <ma14:wrappingTextBoxFlag xmlns:ma14="http://schemas.microsoft.com/office/mac/drawingml/2011/main" xmlns:a14="http://schemas.microsoft.com/office/drawing/2010/main" xmlns:m="http://schemas.openxmlformats.org/officeDocument/2006/math" xmlns="" val="1"/>
             </a:ext>
           </a:extLst>
         </p:spPr>
@@ -17006,7 +17006,7 @@
         </p:spPr>
         <p:txBody>
           <a:bodyPr>
-            <a:normAutofit lnSpcReduction="10000"/>
+            <a:normAutofit fontScale="92500" lnSpcReduction="10000"/>
           </a:bodyPr>
           <a:lstStyle/>
           <a:p>
@@ -17130,7 +17130,7 @@
             </a:pPr>
             <a:r>
               <a:rPr lang="en-US" dirty="0"/>
-              <a:t>Generate Report on usage differs</a:t>
+              <a:t>Generate Report on how usage differs</a:t>
             </a:r>
           </a:p>
           <a:p>
@@ -18342,7 +18342,7 @@
           </a:prstGeom>
           <a:extLst>
             <a:ext uri="{C572A759-6A51-4108-AA02-DFA0A04FC94B}">
-              <ma14:wrappingTextBoxFlag xmlns="" xmlns:m="http://schemas.openxmlformats.org/officeDocument/2006/math" xmlns:a14="http://schemas.microsoft.com/office/drawing/2010/main" xmlns:ma14="http://schemas.microsoft.com/office/mac/drawingml/2011/main" val="1"/>
+              <ma14:wrappingTextBoxFlag xmlns:ma14="http://schemas.microsoft.com/office/mac/drawingml/2011/main" xmlns:a14="http://schemas.microsoft.com/office/drawing/2010/main" xmlns:m="http://schemas.openxmlformats.org/officeDocument/2006/math" xmlns="" val="1"/>
             </a:ext>
           </a:extLst>
         </p:spPr>
@@ -18377,7 +18377,7 @@
           </a:ln>
           <a:extLst>
             <a:ext uri="{C572A759-6A51-4108-AA02-DFA0A04FC94B}">
-              <ma14:wrappingTextBoxFlag xmlns="" xmlns:m="http://schemas.openxmlformats.org/officeDocument/2006/math" xmlns:a14="http://schemas.microsoft.com/office/drawing/2010/main" xmlns:ma14="http://schemas.microsoft.com/office/mac/drawingml/2011/main" val="1"/>
+              <ma14:wrappingTextBoxFlag xmlns:ma14="http://schemas.microsoft.com/office/mac/drawingml/2011/main" xmlns:a14="http://schemas.microsoft.com/office/drawing/2010/main" xmlns:m="http://schemas.openxmlformats.org/officeDocument/2006/math" xmlns="" val="1"/>
             </a:ext>
           </a:extLst>
         </p:spPr>
@@ -18774,7 +18774,9 @@
           </a:prstGeom>
         </p:spPr>
         <p:txBody>
-          <a:bodyPr/>
+          <a:bodyPr>
+            <a:normAutofit lnSpcReduction="10000"/>
+          </a:bodyPr>
           <a:lstStyle/>
           <a:p>
             <a:pPr>
@@ -18829,6 +18831,13 @@
             <a:pPr lvl="1"/>
             <a:r>
               <a:rPr lang="en-US" dirty="0"/>
+              <a:t>Develop and Follow your own individual “code of ethics”</a:t>
+            </a:r>
+          </a:p>
+          <a:p>
+            <a:pPr lvl="1"/>
+            <a:r>
+              <a:rPr lang="en-US" dirty="0"/>
               <a:t>Follow </a:t>
             </a:r>
             <a:r>
@@ -18900,7 +18909,7 @@
           </a:prstGeom>
           <a:extLst>
             <a:ext uri="{C572A759-6A51-4108-AA02-DFA0A04FC94B}">
-              <ma14:wrappingTextBoxFlag xmlns:ma14="http://schemas.microsoft.com/office/mac/drawingml/2011/main" xmlns:a14="http://schemas.microsoft.com/office/drawing/2010/main" xmlns:m="http://schemas.openxmlformats.org/officeDocument/2006/math" xmlns="" val="1"/>
+              <ma14:wrappingTextBoxFlag xmlns="" xmlns:m="http://schemas.openxmlformats.org/officeDocument/2006/math" xmlns:a14="http://schemas.microsoft.com/office/drawing/2010/main" xmlns:ma14="http://schemas.microsoft.com/office/mac/drawingml/2011/main" val="1"/>
             </a:ext>
           </a:extLst>
         </p:spPr>
@@ -18935,7 +18944,7 @@
           </a:ln>
           <a:extLst>
             <a:ext uri="{C572A759-6A51-4108-AA02-DFA0A04FC94B}">
-              <ma14:wrappingTextBoxFlag xmlns:ma14="http://schemas.microsoft.com/office/mac/drawingml/2011/main" xmlns:a14="http://schemas.microsoft.com/office/drawing/2010/main" xmlns:m="http://schemas.openxmlformats.org/officeDocument/2006/math" xmlns="" val="1"/>
+              <ma14:wrappingTextBoxFlag xmlns="" xmlns:m="http://schemas.openxmlformats.org/officeDocument/2006/math" xmlns:a14="http://schemas.microsoft.com/office/drawing/2010/main" xmlns:ma14="http://schemas.microsoft.com/office/mac/drawingml/2011/main" val="1"/>
             </a:ext>
           </a:extLst>
         </p:spPr>
@@ -19230,7 +19239,7 @@
           </a:prstGeom>
           <a:extLst>
             <a:ext uri="{C572A759-6A51-4108-AA02-DFA0A04FC94B}">
-              <ma14:wrappingTextBoxFlag xmlns:ma14="http://schemas.microsoft.com/office/mac/drawingml/2011/main" xmlns:a14="http://schemas.microsoft.com/office/drawing/2010/main" xmlns:m="http://schemas.openxmlformats.org/officeDocument/2006/math" xmlns="" val="1"/>
+              <ma14:wrappingTextBoxFlag xmlns="" xmlns:m="http://schemas.openxmlformats.org/officeDocument/2006/math" xmlns:a14="http://schemas.microsoft.com/office/drawing/2010/main" xmlns:ma14="http://schemas.microsoft.com/office/mac/drawingml/2011/main" val="1"/>
             </a:ext>
           </a:extLst>
         </p:spPr>
@@ -19265,7 +19274,7 @@
           </a:ln>
           <a:extLst>
             <a:ext uri="{C572A759-6A51-4108-AA02-DFA0A04FC94B}">
-              <ma14:wrappingTextBoxFlag xmlns:ma14="http://schemas.microsoft.com/office/mac/drawingml/2011/main" xmlns:a14="http://schemas.microsoft.com/office/drawing/2010/main" xmlns:m="http://schemas.openxmlformats.org/officeDocument/2006/math" xmlns="" val="1"/>
+              <ma14:wrappingTextBoxFlag xmlns="" xmlns:m="http://schemas.openxmlformats.org/officeDocument/2006/math" xmlns:a14="http://schemas.microsoft.com/office/drawing/2010/main" xmlns:ma14="http://schemas.microsoft.com/office/mac/drawingml/2011/main" val="1"/>
             </a:ext>
           </a:extLst>
         </p:spPr>
@@ -19645,7 +19654,7 @@
           </a:ln>
           <a:extLst>
             <a:ext uri="{C572A759-6A51-4108-AA02-DFA0A04FC94B}">
-              <ma14:wrappingTextBoxFlag xmlns:ma14="http://schemas.microsoft.com/office/mac/drawingml/2011/main" xmlns:a14="http://schemas.microsoft.com/office/drawing/2010/main" xmlns:m="http://schemas.openxmlformats.org/officeDocument/2006/math" xmlns="" val="1"/>
+              <ma14:wrappingTextBoxFlag xmlns="" xmlns:m="http://schemas.openxmlformats.org/officeDocument/2006/math" xmlns:a14="http://schemas.microsoft.com/office/drawing/2010/main" xmlns:ma14="http://schemas.microsoft.com/office/mac/drawingml/2011/main" val="1"/>
             </a:ext>
           </a:extLst>
         </p:spPr>
@@ -19980,7 +19989,7 @@
           </a:ln>
           <a:extLst>
             <a:ext uri="{C572A759-6A51-4108-AA02-DFA0A04FC94B}">
-              <ma14:wrappingTextBoxFlag xmlns:ma14="http://schemas.microsoft.com/office/mac/drawingml/2011/main" xmlns:a14="http://schemas.microsoft.com/office/drawing/2010/main" xmlns:m="http://schemas.openxmlformats.org/officeDocument/2006/math" xmlns="" val="1"/>
+              <ma14:wrappingTextBoxFlag xmlns="" xmlns:m="http://schemas.openxmlformats.org/officeDocument/2006/math" xmlns:a14="http://schemas.microsoft.com/office/drawing/2010/main" xmlns:ma14="http://schemas.microsoft.com/office/mac/drawingml/2011/main" val="1"/>
             </a:ext>
           </a:extLst>
         </p:spPr>
@@ -20240,7 +20249,7 @@
           </a:ln>
           <a:extLst>
             <a:ext uri="{C572A759-6A51-4108-AA02-DFA0A04FC94B}">
-              <ma14:wrappingTextBoxFlag xmlns:ma14="http://schemas.microsoft.com/office/mac/drawingml/2011/main" xmlns:a14="http://schemas.microsoft.com/office/drawing/2010/main" xmlns:m="http://schemas.openxmlformats.org/officeDocument/2006/math" xmlns="" val="1"/>
+              <ma14:wrappingTextBoxFlag xmlns="" xmlns:m="http://schemas.openxmlformats.org/officeDocument/2006/math" xmlns:a14="http://schemas.microsoft.com/office/drawing/2010/main" xmlns:ma14="http://schemas.microsoft.com/office/mac/drawingml/2011/main" val="1"/>
             </a:ext>
           </a:extLst>
         </p:spPr>
@@ -20602,7 +20611,7 @@
           </a:ln>
           <a:extLst>
             <a:ext uri="{C572A759-6A51-4108-AA02-DFA0A04FC94B}">
-              <ma14:wrappingTextBoxFlag xmlns:ma14="http://schemas.microsoft.com/office/mac/drawingml/2011/main" xmlns:a14="http://schemas.microsoft.com/office/drawing/2010/main" xmlns:m="http://schemas.openxmlformats.org/officeDocument/2006/math" xmlns="" val="1"/>
+              <ma14:wrappingTextBoxFlag xmlns="" xmlns:m="http://schemas.openxmlformats.org/officeDocument/2006/math" xmlns:a14="http://schemas.microsoft.com/office/drawing/2010/main" xmlns:ma14="http://schemas.microsoft.com/office/mac/drawingml/2011/main" val="1"/>
             </a:ext>
           </a:extLst>
         </p:spPr>
@@ -20758,7 +20767,7 @@
           </a:ln>
           <a:extLst>
             <a:ext uri="{C572A759-6A51-4108-AA02-DFA0A04FC94B}">
-              <ma14:wrappingTextBoxFlag xmlns="" xmlns:m="http://schemas.openxmlformats.org/officeDocument/2006/math" xmlns:a14="http://schemas.microsoft.com/office/drawing/2010/main" xmlns:ma14="http://schemas.microsoft.com/office/mac/drawingml/2011/main" val="1"/>
+              <ma14:wrappingTextBoxFlag xmlns:ma14="http://schemas.microsoft.com/office/mac/drawingml/2011/main" xmlns:a14="http://schemas.microsoft.com/office/drawing/2010/main" xmlns:m="http://schemas.openxmlformats.org/officeDocument/2006/math" xmlns="" val="1"/>
             </a:ext>
           </a:extLst>
         </p:spPr>

--- a/Slides/Module 16A Engineering Ethical Software.pptx
+++ b/Slides/Module 16A Engineering Ethical Software.pptx
@@ -14557,7 +14557,7 @@
             <a:pPr lvl="2"/>
             <a:r>
               <a:rPr lang="en-US" dirty="0"/>
-              <a:t>if our sponsors are selling advertising, then we may be pressed to prioritize "engagement" </a:t>
+              <a:t>if our sponsors are selling advertising, then we may be pressed to prioritize "engagement" (maybe undesirable)</a:t>
             </a:r>
           </a:p>
           <a:p>
@@ -14912,7 +14912,7 @@
                   <a:schemeClr val="accent1"/>
                 </a:solidFill>
               </a:rPr>
-              <a:t>generally credited to Richard Serra and Carlota Fay Schoolman (1974, about TV advertising)</a:t>
+              <a:t>Generally credited to Richard Serra and Carlota Fay Schoolman (1974, about TV advertising)</a:t>
             </a:r>
           </a:p>
         </p:txBody>
@@ -17006,7 +17006,7 @@
         </p:spPr>
         <p:txBody>
           <a:bodyPr>
-            <a:normAutofit fontScale="92500" lnSpcReduction="10000"/>
+            <a:normAutofit lnSpcReduction="10000"/>
           </a:bodyPr>
           <a:lstStyle/>
           <a:p>
@@ -17130,7 +17130,7 @@
             </a:pPr>
             <a:r>
               <a:rPr lang="en-US" dirty="0"/>
-              <a:t>Generate Report on how usage differs</a:t>
+              <a:t>Generate Report on usage differs</a:t>
             </a:r>
           </a:p>
           <a:p>
@@ -18774,9 +18774,7 @@
           </a:prstGeom>
         </p:spPr>
         <p:txBody>
-          <a:bodyPr>
-            <a:normAutofit lnSpcReduction="10000"/>
-          </a:bodyPr>
+          <a:bodyPr/>
           <a:lstStyle/>
           <a:p>
             <a:pPr>
@@ -18825,13 +18823,6 @@
             <a:r>
               <a:rPr lang="en-US" dirty="0"/>
               <a:t> with the political, social, and economic systems in which we and our users live</a:t>
-            </a:r>
-          </a:p>
-          <a:p>
-            <a:pPr lvl="1"/>
-            <a:r>
-              <a:rPr lang="en-US" dirty="0"/>
-              <a:t>Develop and Follow your own individual “code of ethics”</a:t>
             </a:r>
           </a:p>
           <a:p>
@@ -19015,7 +19006,7 @@
           <a:p>
             <a:r>
               <a:rPr lang="en-US" sz="7200" dirty="0"/>
-              <a:t>Ethically and morally implicated technology is </a:t>
+              <a:t>Ethically and morally problematic technology is </a:t>
             </a:r>
             <a:r>
               <a:rPr lang="en-US" sz="7200" b="1" dirty="0"/>
@@ -20718,25 +20709,32 @@
               <a:rPr dirty="0"/>
               <a:t>Engineering equitable software requires conscious effort</a:t>
             </a:r>
-          </a:p>
-          <a:p>
-            <a:pPr marL="1154811" lvl="1"/>
+            <a:endParaRPr lang="en-US" dirty="0"/>
+          </a:p>
+          <a:p>
+            <a:r>
+              <a:rPr lang="en-US" dirty="0"/>
+              <a:t>How do we weigh competing interests and values?</a:t>
+            </a:r>
+          </a:p>
+          <a:p>
+            <a:pPr marL="697611" lvl="1" indent="0">
+              <a:buNone/>
+            </a:pPr>
+            <a:r>
+              <a:rPr lang="en-US" dirty="0"/>
+              <a:t>H</a:t>
+            </a:r>
             <a:r>
               <a:rPr dirty="0"/>
-              <a:t>How do we determine what “the right thing” is?</a:t>
+              <a:t>ow do we determine what “the right thing” is?</a:t>
             </a:r>
             <a:endParaRPr lang="en-US" dirty="0"/>
           </a:p>
           <a:p>
-            <a:pPr marL="1154811" lvl="1"/>
-            <a:r>
-              <a:rPr lang="en-US" dirty="0"/>
-              <a:t>How do we weigh competing interests and values</a:t>
-            </a:r>
-            <a:endParaRPr dirty="0"/>
-          </a:p>
-          <a:p>
-            <a:pPr marL="1154811" lvl="1"/>
+            <a:pPr marL="697611" lvl="1" indent="0">
+              <a:buNone/>
+            </a:pPr>
             <a:r>
               <a:rPr dirty="0"/>
               <a:t>How do we convince our investors/managers to take this action?</a:t>
